--- a/Events/LSSL2022/CourseMaterial/Lisbon 3 TEI.pptx
+++ b/Events/LSSL2022/CourseMaterial/Lisbon 3 TEI.pptx
@@ -10709,7 +10709,7 @@
             <a:fld id="{4786FFB6-41C1-A944-9535-18660036E0DF}" type="datetimeFigureOut">
               <a:rPr lang="en-US" smtClean="0"/>
               <a:pPr/>
-              <a:t>7/7/22</a:t>
+              <a:t>7/8/22</a:t>
             </a:fld>
             <a:endParaRPr lang="en-US"/>
           </a:p>
@@ -10876,7 +10876,7 @@
             <a:fld id="{85AF1BBD-C07B-D64F-A7BD-A81020A286D6}" type="datetimeFigureOut">
               <a:rPr lang="en-US" smtClean="0"/>
               <a:pPr/>
-              <a:t>7/7/22</a:t>
+              <a:t>7/8/22</a:t>
             </a:fld>
             <a:endParaRPr lang="en-US"/>
           </a:p>
@@ -11529,7 +11529,7 @@
             <a:fld id="{3141F00A-C153-9946-A1B1-E1A4BAA616D4}" type="datetimeFigureOut">
               <a:rPr lang="en-US" smtClean="0"/>
               <a:pPr/>
-              <a:t>7/7/22</a:t>
+              <a:t>7/8/22</a:t>
             </a:fld>
             <a:endParaRPr lang="en-US"/>
           </a:p>
@@ -11696,7 +11696,7 @@
             <a:fld id="{3141F00A-C153-9946-A1B1-E1A4BAA616D4}" type="datetimeFigureOut">
               <a:rPr lang="en-US" smtClean="0"/>
               <a:pPr/>
-              <a:t>7/7/22</a:t>
+              <a:t>7/8/22</a:t>
             </a:fld>
             <a:endParaRPr lang="en-US"/>
           </a:p>
@@ -11873,7 +11873,7 @@
             <a:fld id="{3141F00A-C153-9946-A1B1-E1A4BAA616D4}" type="datetimeFigureOut">
               <a:rPr lang="en-US" smtClean="0"/>
               <a:pPr/>
-              <a:t>7/7/22</a:t>
+              <a:t>7/8/22</a:t>
             </a:fld>
             <a:endParaRPr lang="en-US"/>
           </a:p>
@@ -12040,7 +12040,7 @@
             <a:fld id="{3141F00A-C153-9946-A1B1-E1A4BAA616D4}" type="datetimeFigureOut">
               <a:rPr lang="en-US" smtClean="0"/>
               <a:pPr/>
-              <a:t>7/7/22</a:t>
+              <a:t>7/8/22</a:t>
             </a:fld>
             <a:endParaRPr lang="en-US"/>
           </a:p>
@@ -12283,7 +12283,7 @@
             <a:fld id="{3141F00A-C153-9946-A1B1-E1A4BAA616D4}" type="datetimeFigureOut">
               <a:rPr lang="en-US" smtClean="0"/>
               <a:pPr/>
-              <a:t>7/7/22</a:t>
+              <a:t>7/8/22</a:t>
             </a:fld>
             <a:endParaRPr lang="en-US"/>
           </a:p>
@@ -12568,7 +12568,7 @@
             <a:fld id="{3141F00A-C153-9946-A1B1-E1A4BAA616D4}" type="datetimeFigureOut">
               <a:rPr lang="en-US" smtClean="0"/>
               <a:pPr/>
-              <a:t>7/7/22</a:t>
+              <a:t>7/8/22</a:t>
             </a:fld>
             <a:endParaRPr lang="en-US"/>
           </a:p>
@@ -12987,7 +12987,7 @@
             <a:fld id="{3141F00A-C153-9946-A1B1-E1A4BAA616D4}" type="datetimeFigureOut">
               <a:rPr lang="en-US" smtClean="0"/>
               <a:pPr/>
-              <a:t>7/7/22</a:t>
+              <a:t>7/8/22</a:t>
             </a:fld>
             <a:endParaRPr lang="en-US"/>
           </a:p>
@@ -13102,7 +13102,7 @@
             <a:fld id="{3141F00A-C153-9946-A1B1-E1A4BAA616D4}" type="datetimeFigureOut">
               <a:rPr lang="en-US" smtClean="0"/>
               <a:pPr/>
-              <a:t>7/7/22</a:t>
+              <a:t>7/8/22</a:t>
             </a:fld>
             <a:endParaRPr lang="en-US"/>
           </a:p>
@@ -13194,7 +13194,7 @@
             <a:fld id="{3141F00A-C153-9946-A1B1-E1A4BAA616D4}" type="datetimeFigureOut">
               <a:rPr lang="en-US" smtClean="0"/>
               <a:pPr/>
-              <a:t>7/7/22</a:t>
+              <a:t>7/8/22</a:t>
             </a:fld>
             <a:endParaRPr lang="en-US"/>
           </a:p>
@@ -13468,7 +13468,7 @@
             <a:fld id="{3141F00A-C153-9946-A1B1-E1A4BAA616D4}" type="datetimeFigureOut">
               <a:rPr lang="en-US" smtClean="0"/>
               <a:pPr/>
-              <a:t>7/7/22</a:t>
+              <a:t>7/8/22</a:t>
             </a:fld>
             <a:endParaRPr lang="en-US"/>
           </a:p>
@@ -13718,7 +13718,7 @@
             <a:fld id="{3141F00A-C153-9946-A1B1-E1A4BAA616D4}" type="datetimeFigureOut">
               <a:rPr lang="en-US" smtClean="0"/>
               <a:pPr/>
-              <a:t>7/7/22</a:t>
+              <a:t>7/8/22</a:t>
             </a:fld>
             <a:endParaRPr lang="en-US"/>
           </a:p>
@@ -13928,7 +13928,7 @@
             <a:fld id="{3141F00A-C153-9946-A1B1-E1A4BAA616D4}" type="datetimeFigureOut">
               <a:rPr lang="en-US" smtClean="0"/>
               <a:pPr/>
-              <a:t>7/7/22</a:t>
+              <a:t>7/8/22</a:t>
             </a:fld>
             <a:endParaRPr lang="en-US"/>
           </a:p>
@@ -15959,7 +15959,7 @@
                 <a:cs typeface="ＭＳ Ｐゴシック" pitchFamily="1" charset="-128"/>
               </a:rPr>
               <a:pPr/>
-              <a:t>07.07.22</a:t>
+              <a:t>08.07.22</a:t>
             </a:fld>
             <a:endParaRPr lang="de-DE">
               <a:latin typeface="Arial" pitchFamily="1" charset="0"/>
@@ -17627,12 +17627,20 @@
               </a:lnSpc>
             </a:pPr>
             <a:r>
+              <a:rPr lang="de-DE" dirty="0">
+                <a:solidFill>
+                  <a:srgbClr val="333333"/>
+                </a:solidFill>
+              </a:rPr>
+              <a:t>Speech </a:t>
+            </a:r>
+            <a:r>
               <a:rPr lang="de-DE" dirty="0" err="1">
                 <a:solidFill>
                   <a:srgbClr val="333333"/>
                 </a:solidFill>
               </a:rPr>
-              <a:t>Speech</a:t>
+              <a:t>turns</a:t>
             </a:r>
             <a:r>
               <a:rPr lang="de-DE" dirty="0">
@@ -17640,7 +17648,7 @@
                   <a:srgbClr val="333333"/>
                 </a:solidFill>
               </a:rPr>
-              <a:t> </a:t>
+              <a:t>: &lt;</a:t>
             </a:r>
             <a:r>
               <a:rPr lang="de-DE" dirty="0" err="1">
@@ -17648,7 +17656,7 @@
                   <a:srgbClr val="333333"/>
                 </a:solidFill>
               </a:rPr>
-              <a:t>turns</a:t>
+              <a:t>u</a:t>
             </a:r>
             <a:r>
               <a:rPr lang="de-DE" dirty="0">
@@ -17656,7 +17664,22 @@
                   <a:srgbClr val="333333"/>
                 </a:solidFill>
               </a:rPr>
-              <a:t>: &lt;</a:t>
+              <a:t>&gt;</a:t>
+            </a:r>
+          </a:p>
+          <a:p>
+            <a:pPr lvl="1">
+              <a:lnSpc>
+                <a:spcPct val="90000"/>
+              </a:lnSpc>
+            </a:pPr>
+            <a:r>
+              <a:rPr lang="de-DE" dirty="0">
+                <a:solidFill>
+                  <a:srgbClr val="333333"/>
+                </a:solidFill>
+              </a:rPr>
+              <a:t>Drama turn: &lt;</a:t>
             </a:r>
             <a:r>
               <a:rPr lang="de-DE" dirty="0" err="1">
@@ -17667,21 +17690,13 @@
               <a:t>sp</a:t>
             </a:r>
             <a:r>
-              <a:rPr lang="de-DE" dirty="0">
+              <a:rPr lang="de-DE">
                 <a:solidFill>
                   <a:srgbClr val="333333"/>
                 </a:solidFill>
               </a:rPr>
               <a:t>&gt;</a:t>
             </a:r>
-          </a:p>
-          <a:p>
-            <a:pPr>
-              <a:lnSpc>
-                <a:spcPct val="90000"/>
-              </a:lnSpc>
-              <a:buNone/>
-            </a:pPr>
             <a:endParaRPr lang="de-DE" dirty="0">
               <a:solidFill>
                 <a:srgbClr val="333333"/>
